--- a/ppt 16-9/1597.鼓舞.pptx
+++ b/ppt 16-9/1597.鼓舞.pptx
@@ -5,7 +5,7 @@
     <p:sldMasterId id="2147483648" r:id="rId1"/>
   </p:sldMasterIdLst>
   <p:sldIdLst>
-    <p:sldId id="3456" r:id="rId2"/>
+    <p:sldId id="3458" r:id="rId2"/>
   </p:sldIdLst>
   <p:sldSz cx="12192000" cy="6858000"/>
   <p:notesSz cx="6858000" cy="9144000"/>
@@ -129,7 +129,7 @@
           <p:cNvPr id="2" name="标题 1">
             <a:extLst>
               <a:ext uri="{FF2B5EF4-FFF2-40B4-BE49-F238E27FC236}">
-                <a16:creationId xmlns:a16="http://schemas.microsoft.com/office/drawing/2014/main" id="{110BB8C7-9C07-9480-20A2-3725421549E7}"/>
+                <a16:creationId xmlns:a16="http://schemas.microsoft.com/office/drawing/2014/main" id="{18FA260A-3C8F-D0AB-0228-D228203D01BB}"/>
               </a:ext>
             </a:extLst>
           </p:cNvPr>
@@ -166,7 +166,7 @@
           <p:cNvPr id="3" name="副标题 2">
             <a:extLst>
               <a:ext uri="{FF2B5EF4-FFF2-40B4-BE49-F238E27FC236}">
-                <a16:creationId xmlns:a16="http://schemas.microsoft.com/office/drawing/2014/main" id="{4F3DD39A-C2D8-2366-B700-0B3F7E858FF1}"/>
+                <a16:creationId xmlns:a16="http://schemas.microsoft.com/office/drawing/2014/main" id="{ECCB084F-698B-7363-E67C-C47FC0E9DE6A}"/>
               </a:ext>
             </a:extLst>
           </p:cNvPr>
@@ -236,7 +236,7 @@
           <p:cNvPr id="4" name="日期占位符 3">
             <a:extLst>
               <a:ext uri="{FF2B5EF4-FFF2-40B4-BE49-F238E27FC236}">
-                <a16:creationId xmlns:a16="http://schemas.microsoft.com/office/drawing/2014/main" id="{67C832B0-CA64-47F6-0E2E-F3F435D7BB78}"/>
+                <a16:creationId xmlns:a16="http://schemas.microsoft.com/office/drawing/2014/main" id="{27975B09-6B4A-46FC-4A43-8C31C81A1EC5}"/>
               </a:ext>
             </a:extLst>
           </p:cNvPr>
@@ -252,7 +252,7 @@
           <a:bodyPr/>
           <a:lstStyle/>
           <a:p>
-            <a:fld id="{8D593CA0-0721-4F80-B623-740D30B37D0C}" type="datetimeFigureOut">
+            <a:fld id="{89FB9522-F866-4983-8D69-321E071EAAE7}" type="datetimeFigureOut">
               <a:rPr lang="zh-CN" altLang="en-US" smtClean="0"/>
               <a:t>2024/3/10</a:t>
             </a:fld>
@@ -265,7 +265,7 @@
           <p:cNvPr id="5" name="页脚占位符 4">
             <a:extLst>
               <a:ext uri="{FF2B5EF4-FFF2-40B4-BE49-F238E27FC236}">
-                <a16:creationId xmlns:a16="http://schemas.microsoft.com/office/drawing/2014/main" id="{C8C58B79-FF95-B610-CD97-6892BCF1D48A}"/>
+                <a16:creationId xmlns:a16="http://schemas.microsoft.com/office/drawing/2014/main" id="{98C0F093-1B95-BA61-F94B-AB1505386EB3}"/>
               </a:ext>
             </a:extLst>
           </p:cNvPr>
@@ -290,7 +290,7 @@
           <p:cNvPr id="6" name="灯片编号占位符 5">
             <a:extLst>
               <a:ext uri="{FF2B5EF4-FFF2-40B4-BE49-F238E27FC236}">
-                <a16:creationId xmlns:a16="http://schemas.microsoft.com/office/drawing/2014/main" id="{63DC2D05-F747-3D71-998C-F8B398CC1C27}"/>
+                <a16:creationId xmlns:a16="http://schemas.microsoft.com/office/drawing/2014/main" id="{295931F0-CAA1-05B6-723A-64C27E3BFC3D}"/>
               </a:ext>
             </a:extLst>
           </p:cNvPr>
@@ -306,7 +306,7 @@
           <a:bodyPr/>
           <a:lstStyle/>
           <a:p>
-            <a:fld id="{C10AB18A-D65F-402A-9F3A-3545407972E1}" type="slidenum">
+            <a:fld id="{F2B8CAB2-2AD6-41AE-9DF9-3513C9C631B4}" type="slidenum">
               <a:rPr lang="zh-CN" altLang="en-US" smtClean="0"/>
               <a:t>‹#›</a:t>
             </a:fld>
@@ -317,7 +317,7 @@
     </p:spTree>
     <p:extLst>
       <p:ext uri="{BB962C8B-B14F-4D97-AF65-F5344CB8AC3E}">
-        <p14:creationId xmlns:p14="http://schemas.microsoft.com/office/powerpoint/2010/main" val="4027074319"/>
+        <p14:creationId xmlns:p14="http://schemas.microsoft.com/office/powerpoint/2010/main" val="1709775707"/>
       </p:ext>
     </p:extLst>
   </p:cSld>
@@ -349,7 +349,7 @@
           <p:cNvPr id="2" name="标题 1">
             <a:extLst>
               <a:ext uri="{FF2B5EF4-FFF2-40B4-BE49-F238E27FC236}">
-                <a16:creationId xmlns:a16="http://schemas.microsoft.com/office/drawing/2014/main" id="{FE2F1907-8E5C-57D7-A5F6-2BD531014EC4}"/>
+                <a16:creationId xmlns:a16="http://schemas.microsoft.com/office/drawing/2014/main" id="{E5440BEE-03DF-935E-F6AB-B3C934839F87}"/>
               </a:ext>
             </a:extLst>
           </p:cNvPr>
@@ -377,7 +377,7 @@
           <p:cNvPr id="3" name="竖排文字占位符 2">
             <a:extLst>
               <a:ext uri="{FF2B5EF4-FFF2-40B4-BE49-F238E27FC236}">
-                <a16:creationId xmlns:a16="http://schemas.microsoft.com/office/drawing/2014/main" id="{6131F38C-8A51-A124-B484-93244CA9DC11}"/>
+                <a16:creationId xmlns:a16="http://schemas.microsoft.com/office/drawing/2014/main" id="{2908BC44-F776-0F21-53C1-C7E5A67E0350}"/>
               </a:ext>
             </a:extLst>
           </p:cNvPr>
@@ -434,7 +434,7 @@
           <p:cNvPr id="4" name="日期占位符 3">
             <a:extLst>
               <a:ext uri="{FF2B5EF4-FFF2-40B4-BE49-F238E27FC236}">
-                <a16:creationId xmlns:a16="http://schemas.microsoft.com/office/drawing/2014/main" id="{913680FB-4134-DF53-5822-CE2C808ECC88}"/>
+                <a16:creationId xmlns:a16="http://schemas.microsoft.com/office/drawing/2014/main" id="{7801797D-7624-A491-5091-D87BF7ECF139}"/>
               </a:ext>
             </a:extLst>
           </p:cNvPr>
@@ -450,7 +450,7 @@
           <a:bodyPr/>
           <a:lstStyle/>
           <a:p>
-            <a:fld id="{8D593CA0-0721-4F80-B623-740D30B37D0C}" type="datetimeFigureOut">
+            <a:fld id="{89FB9522-F866-4983-8D69-321E071EAAE7}" type="datetimeFigureOut">
               <a:rPr lang="zh-CN" altLang="en-US" smtClean="0"/>
               <a:t>2024/3/10</a:t>
             </a:fld>
@@ -463,7 +463,7 @@
           <p:cNvPr id="5" name="页脚占位符 4">
             <a:extLst>
               <a:ext uri="{FF2B5EF4-FFF2-40B4-BE49-F238E27FC236}">
-                <a16:creationId xmlns:a16="http://schemas.microsoft.com/office/drawing/2014/main" id="{2162EF39-0573-F491-E61A-E0A137C68DA0}"/>
+                <a16:creationId xmlns:a16="http://schemas.microsoft.com/office/drawing/2014/main" id="{69159C9E-2F62-F0D0-DB4C-253B64FA2706}"/>
               </a:ext>
             </a:extLst>
           </p:cNvPr>
@@ -488,7 +488,7 @@
           <p:cNvPr id="6" name="灯片编号占位符 5">
             <a:extLst>
               <a:ext uri="{FF2B5EF4-FFF2-40B4-BE49-F238E27FC236}">
-                <a16:creationId xmlns:a16="http://schemas.microsoft.com/office/drawing/2014/main" id="{685BF29C-7455-3A89-9F8C-FF57207A260A}"/>
+                <a16:creationId xmlns:a16="http://schemas.microsoft.com/office/drawing/2014/main" id="{C1647DAB-1875-E1AC-A177-A929B7493B63}"/>
               </a:ext>
             </a:extLst>
           </p:cNvPr>
@@ -504,7 +504,7 @@
           <a:bodyPr/>
           <a:lstStyle/>
           <a:p>
-            <a:fld id="{C10AB18A-D65F-402A-9F3A-3545407972E1}" type="slidenum">
+            <a:fld id="{F2B8CAB2-2AD6-41AE-9DF9-3513C9C631B4}" type="slidenum">
               <a:rPr lang="zh-CN" altLang="en-US" smtClean="0"/>
               <a:t>‹#›</a:t>
             </a:fld>
@@ -515,7 +515,7 @@
     </p:spTree>
     <p:extLst>
       <p:ext uri="{BB962C8B-B14F-4D97-AF65-F5344CB8AC3E}">
-        <p14:creationId xmlns:p14="http://schemas.microsoft.com/office/powerpoint/2010/main" val="1597463165"/>
+        <p14:creationId xmlns:p14="http://schemas.microsoft.com/office/powerpoint/2010/main" val="1780872644"/>
       </p:ext>
     </p:extLst>
   </p:cSld>
@@ -547,7 +547,7 @@
           <p:cNvPr id="2" name="竖排标题 1">
             <a:extLst>
               <a:ext uri="{FF2B5EF4-FFF2-40B4-BE49-F238E27FC236}">
-                <a16:creationId xmlns:a16="http://schemas.microsoft.com/office/drawing/2014/main" id="{7EFC74F7-56C6-602C-E6E5-B47FDF9168F7}"/>
+                <a16:creationId xmlns:a16="http://schemas.microsoft.com/office/drawing/2014/main" id="{7F4E8093-D242-2879-0D7B-3552815D05AA}"/>
               </a:ext>
             </a:extLst>
           </p:cNvPr>
@@ -580,7 +580,7 @@
           <p:cNvPr id="3" name="竖排文字占位符 2">
             <a:extLst>
               <a:ext uri="{FF2B5EF4-FFF2-40B4-BE49-F238E27FC236}">
-                <a16:creationId xmlns:a16="http://schemas.microsoft.com/office/drawing/2014/main" id="{C363C91A-DD28-CCBA-2F80-E2239DBE0A55}"/>
+                <a16:creationId xmlns:a16="http://schemas.microsoft.com/office/drawing/2014/main" id="{E78328AC-56C5-2916-013F-3DAB90A8CACC}"/>
               </a:ext>
             </a:extLst>
           </p:cNvPr>
@@ -642,7 +642,7 @@
           <p:cNvPr id="4" name="日期占位符 3">
             <a:extLst>
               <a:ext uri="{FF2B5EF4-FFF2-40B4-BE49-F238E27FC236}">
-                <a16:creationId xmlns:a16="http://schemas.microsoft.com/office/drawing/2014/main" id="{43990F66-F140-CFCD-D0B6-68017B03C477}"/>
+                <a16:creationId xmlns:a16="http://schemas.microsoft.com/office/drawing/2014/main" id="{2D71A71D-66E4-2F8B-3D59-5487FD828727}"/>
               </a:ext>
             </a:extLst>
           </p:cNvPr>
@@ -658,7 +658,7 @@
           <a:bodyPr/>
           <a:lstStyle/>
           <a:p>
-            <a:fld id="{8D593CA0-0721-4F80-B623-740D30B37D0C}" type="datetimeFigureOut">
+            <a:fld id="{89FB9522-F866-4983-8D69-321E071EAAE7}" type="datetimeFigureOut">
               <a:rPr lang="zh-CN" altLang="en-US" smtClean="0"/>
               <a:t>2024/3/10</a:t>
             </a:fld>
@@ -671,7 +671,7 @@
           <p:cNvPr id="5" name="页脚占位符 4">
             <a:extLst>
               <a:ext uri="{FF2B5EF4-FFF2-40B4-BE49-F238E27FC236}">
-                <a16:creationId xmlns:a16="http://schemas.microsoft.com/office/drawing/2014/main" id="{9CC75462-5277-7EF9-585B-A2168390393C}"/>
+                <a16:creationId xmlns:a16="http://schemas.microsoft.com/office/drawing/2014/main" id="{6DCB8166-A0F4-6993-320B-64BAC3BFD4DB}"/>
               </a:ext>
             </a:extLst>
           </p:cNvPr>
@@ -696,7 +696,7 @@
           <p:cNvPr id="6" name="灯片编号占位符 5">
             <a:extLst>
               <a:ext uri="{FF2B5EF4-FFF2-40B4-BE49-F238E27FC236}">
-                <a16:creationId xmlns:a16="http://schemas.microsoft.com/office/drawing/2014/main" id="{C06BD48C-FB38-D7C9-43D8-EFC607C5D938}"/>
+                <a16:creationId xmlns:a16="http://schemas.microsoft.com/office/drawing/2014/main" id="{4D5D2568-0526-FDB9-2E05-A9DDFC2E9735}"/>
               </a:ext>
             </a:extLst>
           </p:cNvPr>
@@ -712,7 +712,7 @@
           <a:bodyPr/>
           <a:lstStyle/>
           <a:p>
-            <a:fld id="{C10AB18A-D65F-402A-9F3A-3545407972E1}" type="slidenum">
+            <a:fld id="{F2B8CAB2-2AD6-41AE-9DF9-3513C9C631B4}" type="slidenum">
               <a:rPr lang="zh-CN" altLang="en-US" smtClean="0"/>
               <a:t>‹#›</a:t>
             </a:fld>
@@ -723,7 +723,7 @@
     </p:spTree>
     <p:extLst>
       <p:ext uri="{BB962C8B-B14F-4D97-AF65-F5344CB8AC3E}">
-        <p14:creationId xmlns:p14="http://schemas.microsoft.com/office/powerpoint/2010/main" val="1462684147"/>
+        <p14:creationId xmlns:p14="http://schemas.microsoft.com/office/powerpoint/2010/main" val="148221376"/>
       </p:ext>
     </p:extLst>
   </p:cSld>
@@ -755,7 +755,7 @@
           <p:cNvPr id="2" name="标题 1">
             <a:extLst>
               <a:ext uri="{FF2B5EF4-FFF2-40B4-BE49-F238E27FC236}">
-                <a16:creationId xmlns:a16="http://schemas.microsoft.com/office/drawing/2014/main" id="{BB1C2FE1-1F46-3D1D-7467-3AD39485C6CF}"/>
+                <a16:creationId xmlns:a16="http://schemas.microsoft.com/office/drawing/2014/main" id="{199CA1C4-DFA7-7652-E822-39E53EBB0F46}"/>
               </a:ext>
             </a:extLst>
           </p:cNvPr>
@@ -783,7 +783,7 @@
           <p:cNvPr id="3" name="内容占位符 2">
             <a:extLst>
               <a:ext uri="{FF2B5EF4-FFF2-40B4-BE49-F238E27FC236}">
-                <a16:creationId xmlns:a16="http://schemas.microsoft.com/office/drawing/2014/main" id="{C7FDB643-DA19-69F3-A0CB-51FF7739FC35}"/>
+                <a16:creationId xmlns:a16="http://schemas.microsoft.com/office/drawing/2014/main" id="{9BB5DB22-D158-16F7-1090-0F0016E99AC2}"/>
               </a:ext>
             </a:extLst>
           </p:cNvPr>
@@ -840,7 +840,7 @@
           <p:cNvPr id="4" name="日期占位符 3">
             <a:extLst>
               <a:ext uri="{FF2B5EF4-FFF2-40B4-BE49-F238E27FC236}">
-                <a16:creationId xmlns:a16="http://schemas.microsoft.com/office/drawing/2014/main" id="{2C540EAD-DF47-EC72-B85E-DB90AF8BBC78}"/>
+                <a16:creationId xmlns:a16="http://schemas.microsoft.com/office/drawing/2014/main" id="{E84D4A7D-5456-7F24-3201-9F43F88F25D7}"/>
               </a:ext>
             </a:extLst>
           </p:cNvPr>
@@ -856,7 +856,7 @@
           <a:bodyPr/>
           <a:lstStyle/>
           <a:p>
-            <a:fld id="{8D593CA0-0721-4F80-B623-740D30B37D0C}" type="datetimeFigureOut">
+            <a:fld id="{89FB9522-F866-4983-8D69-321E071EAAE7}" type="datetimeFigureOut">
               <a:rPr lang="zh-CN" altLang="en-US" smtClean="0"/>
               <a:t>2024/3/10</a:t>
             </a:fld>
@@ -869,7 +869,7 @@
           <p:cNvPr id="5" name="页脚占位符 4">
             <a:extLst>
               <a:ext uri="{FF2B5EF4-FFF2-40B4-BE49-F238E27FC236}">
-                <a16:creationId xmlns:a16="http://schemas.microsoft.com/office/drawing/2014/main" id="{98830200-17E2-B1C3-3634-EC07797E47C6}"/>
+                <a16:creationId xmlns:a16="http://schemas.microsoft.com/office/drawing/2014/main" id="{62EA2065-5C03-C84C-4342-29650AD73B0C}"/>
               </a:ext>
             </a:extLst>
           </p:cNvPr>
@@ -894,7 +894,7 @@
           <p:cNvPr id="6" name="灯片编号占位符 5">
             <a:extLst>
               <a:ext uri="{FF2B5EF4-FFF2-40B4-BE49-F238E27FC236}">
-                <a16:creationId xmlns:a16="http://schemas.microsoft.com/office/drawing/2014/main" id="{73B81296-C98F-E915-2494-C677C3ECA4AD}"/>
+                <a16:creationId xmlns:a16="http://schemas.microsoft.com/office/drawing/2014/main" id="{19932D67-1358-3299-A2E2-2466BE38ACD4}"/>
               </a:ext>
             </a:extLst>
           </p:cNvPr>
@@ -910,7 +910,7 @@
           <a:bodyPr/>
           <a:lstStyle/>
           <a:p>
-            <a:fld id="{C10AB18A-D65F-402A-9F3A-3545407972E1}" type="slidenum">
+            <a:fld id="{F2B8CAB2-2AD6-41AE-9DF9-3513C9C631B4}" type="slidenum">
               <a:rPr lang="zh-CN" altLang="en-US" smtClean="0"/>
               <a:t>‹#›</a:t>
             </a:fld>
@@ -921,7 +921,7 @@
     </p:spTree>
     <p:extLst>
       <p:ext uri="{BB962C8B-B14F-4D97-AF65-F5344CB8AC3E}">
-        <p14:creationId xmlns:p14="http://schemas.microsoft.com/office/powerpoint/2010/main" val="281492066"/>
+        <p14:creationId xmlns:p14="http://schemas.microsoft.com/office/powerpoint/2010/main" val="2017952070"/>
       </p:ext>
     </p:extLst>
   </p:cSld>
@@ -953,7 +953,7 @@
           <p:cNvPr id="2" name="标题 1">
             <a:extLst>
               <a:ext uri="{FF2B5EF4-FFF2-40B4-BE49-F238E27FC236}">
-                <a16:creationId xmlns:a16="http://schemas.microsoft.com/office/drawing/2014/main" id="{5D96163B-428A-F18F-9F87-3CA5AEF2CA99}"/>
+                <a16:creationId xmlns:a16="http://schemas.microsoft.com/office/drawing/2014/main" id="{C85D26A5-9B95-95A8-5DA6-2AD7354DD691}"/>
               </a:ext>
             </a:extLst>
           </p:cNvPr>
@@ -990,7 +990,7 @@
           <p:cNvPr id="3" name="文本占位符 2">
             <a:extLst>
               <a:ext uri="{FF2B5EF4-FFF2-40B4-BE49-F238E27FC236}">
-                <a16:creationId xmlns:a16="http://schemas.microsoft.com/office/drawing/2014/main" id="{69E18B7F-412D-6943-91B9-9E010A1EE3E1}"/>
+                <a16:creationId xmlns:a16="http://schemas.microsoft.com/office/drawing/2014/main" id="{7039C350-46DE-F90F-3F3E-2E12D66B1E1D}"/>
               </a:ext>
             </a:extLst>
           </p:cNvPr>
@@ -1115,7 +1115,7 @@
           <p:cNvPr id="4" name="日期占位符 3">
             <a:extLst>
               <a:ext uri="{FF2B5EF4-FFF2-40B4-BE49-F238E27FC236}">
-                <a16:creationId xmlns:a16="http://schemas.microsoft.com/office/drawing/2014/main" id="{5DA1467D-EF52-9757-D85A-6B121D002E48}"/>
+                <a16:creationId xmlns:a16="http://schemas.microsoft.com/office/drawing/2014/main" id="{4C50CCEC-0EB7-4046-CAC3-09C820BB7AB8}"/>
               </a:ext>
             </a:extLst>
           </p:cNvPr>
@@ -1131,7 +1131,7 @@
           <a:bodyPr/>
           <a:lstStyle/>
           <a:p>
-            <a:fld id="{8D593CA0-0721-4F80-B623-740D30B37D0C}" type="datetimeFigureOut">
+            <a:fld id="{89FB9522-F866-4983-8D69-321E071EAAE7}" type="datetimeFigureOut">
               <a:rPr lang="zh-CN" altLang="en-US" smtClean="0"/>
               <a:t>2024/3/10</a:t>
             </a:fld>
@@ -1144,7 +1144,7 @@
           <p:cNvPr id="5" name="页脚占位符 4">
             <a:extLst>
               <a:ext uri="{FF2B5EF4-FFF2-40B4-BE49-F238E27FC236}">
-                <a16:creationId xmlns:a16="http://schemas.microsoft.com/office/drawing/2014/main" id="{70179EB7-A19B-0B86-CC63-3DCCB5B0FE06}"/>
+                <a16:creationId xmlns:a16="http://schemas.microsoft.com/office/drawing/2014/main" id="{E6AD4CC3-30DA-8B67-7938-D1B914D99295}"/>
               </a:ext>
             </a:extLst>
           </p:cNvPr>
@@ -1169,7 +1169,7 @@
           <p:cNvPr id="6" name="灯片编号占位符 5">
             <a:extLst>
               <a:ext uri="{FF2B5EF4-FFF2-40B4-BE49-F238E27FC236}">
-                <a16:creationId xmlns:a16="http://schemas.microsoft.com/office/drawing/2014/main" id="{003A04CB-8F7D-18AC-7F21-AB2E51E2487C}"/>
+                <a16:creationId xmlns:a16="http://schemas.microsoft.com/office/drawing/2014/main" id="{8BE36E63-94A4-D4F1-AD1D-C9D55F2BB12A}"/>
               </a:ext>
             </a:extLst>
           </p:cNvPr>
@@ -1185,7 +1185,7 @@
           <a:bodyPr/>
           <a:lstStyle/>
           <a:p>
-            <a:fld id="{C10AB18A-D65F-402A-9F3A-3545407972E1}" type="slidenum">
+            <a:fld id="{F2B8CAB2-2AD6-41AE-9DF9-3513C9C631B4}" type="slidenum">
               <a:rPr lang="zh-CN" altLang="en-US" smtClean="0"/>
               <a:t>‹#›</a:t>
             </a:fld>
@@ -1196,7 +1196,7 @@
     </p:spTree>
     <p:extLst>
       <p:ext uri="{BB962C8B-B14F-4D97-AF65-F5344CB8AC3E}">
-        <p14:creationId xmlns:p14="http://schemas.microsoft.com/office/powerpoint/2010/main" val="715595062"/>
+        <p14:creationId xmlns:p14="http://schemas.microsoft.com/office/powerpoint/2010/main" val="2924195542"/>
       </p:ext>
     </p:extLst>
   </p:cSld>
@@ -1228,7 +1228,7 @@
           <p:cNvPr id="2" name="标题 1">
             <a:extLst>
               <a:ext uri="{FF2B5EF4-FFF2-40B4-BE49-F238E27FC236}">
-                <a16:creationId xmlns:a16="http://schemas.microsoft.com/office/drawing/2014/main" id="{DF2BD492-2B8C-7DB7-C12E-67A2E9AFFD2A}"/>
+                <a16:creationId xmlns:a16="http://schemas.microsoft.com/office/drawing/2014/main" id="{E0E1B807-0C4E-777D-D0AE-1FC10DB3C894}"/>
               </a:ext>
             </a:extLst>
           </p:cNvPr>
@@ -1256,7 +1256,7 @@
           <p:cNvPr id="3" name="内容占位符 2">
             <a:extLst>
               <a:ext uri="{FF2B5EF4-FFF2-40B4-BE49-F238E27FC236}">
-                <a16:creationId xmlns:a16="http://schemas.microsoft.com/office/drawing/2014/main" id="{43373D64-8682-A1B6-4200-F5F366D367D3}"/>
+                <a16:creationId xmlns:a16="http://schemas.microsoft.com/office/drawing/2014/main" id="{C70BB7EF-360B-09BA-4A81-F961A6DFF27A}"/>
               </a:ext>
             </a:extLst>
           </p:cNvPr>
@@ -1318,7 +1318,7 @@
           <p:cNvPr id="4" name="内容占位符 3">
             <a:extLst>
               <a:ext uri="{FF2B5EF4-FFF2-40B4-BE49-F238E27FC236}">
-                <a16:creationId xmlns:a16="http://schemas.microsoft.com/office/drawing/2014/main" id="{5D5D85EF-C16F-B196-EEF6-75C412916F56}"/>
+                <a16:creationId xmlns:a16="http://schemas.microsoft.com/office/drawing/2014/main" id="{68BD87BA-E5FD-4F5D-40BB-5FEB828C8B4D}"/>
               </a:ext>
             </a:extLst>
           </p:cNvPr>
@@ -1380,7 +1380,7 @@
           <p:cNvPr id="5" name="日期占位符 4">
             <a:extLst>
               <a:ext uri="{FF2B5EF4-FFF2-40B4-BE49-F238E27FC236}">
-                <a16:creationId xmlns:a16="http://schemas.microsoft.com/office/drawing/2014/main" id="{BCBA8318-C4AD-5766-770D-15CA60EC193D}"/>
+                <a16:creationId xmlns:a16="http://schemas.microsoft.com/office/drawing/2014/main" id="{41C51554-79F2-BB36-9D63-2D93CCF957CD}"/>
               </a:ext>
             </a:extLst>
           </p:cNvPr>
@@ -1396,7 +1396,7 @@
           <a:bodyPr/>
           <a:lstStyle/>
           <a:p>
-            <a:fld id="{8D593CA0-0721-4F80-B623-740D30B37D0C}" type="datetimeFigureOut">
+            <a:fld id="{89FB9522-F866-4983-8D69-321E071EAAE7}" type="datetimeFigureOut">
               <a:rPr lang="zh-CN" altLang="en-US" smtClean="0"/>
               <a:t>2024/3/10</a:t>
             </a:fld>
@@ -1409,7 +1409,7 @@
           <p:cNvPr id="6" name="页脚占位符 5">
             <a:extLst>
               <a:ext uri="{FF2B5EF4-FFF2-40B4-BE49-F238E27FC236}">
-                <a16:creationId xmlns:a16="http://schemas.microsoft.com/office/drawing/2014/main" id="{BDA30341-379D-DF5F-A324-E71437A9B6A5}"/>
+                <a16:creationId xmlns:a16="http://schemas.microsoft.com/office/drawing/2014/main" id="{2C84B057-08BC-B221-4798-08022BC0DD68}"/>
               </a:ext>
             </a:extLst>
           </p:cNvPr>
@@ -1434,7 +1434,7 @@
           <p:cNvPr id="7" name="灯片编号占位符 6">
             <a:extLst>
               <a:ext uri="{FF2B5EF4-FFF2-40B4-BE49-F238E27FC236}">
-                <a16:creationId xmlns:a16="http://schemas.microsoft.com/office/drawing/2014/main" id="{B574C99D-4A43-8B02-9774-5F41DE48F737}"/>
+                <a16:creationId xmlns:a16="http://schemas.microsoft.com/office/drawing/2014/main" id="{CDFABC25-98B1-7D07-D5D8-F574A5EE20BB}"/>
               </a:ext>
             </a:extLst>
           </p:cNvPr>
@@ -1450,7 +1450,7 @@
           <a:bodyPr/>
           <a:lstStyle/>
           <a:p>
-            <a:fld id="{C10AB18A-D65F-402A-9F3A-3545407972E1}" type="slidenum">
+            <a:fld id="{F2B8CAB2-2AD6-41AE-9DF9-3513C9C631B4}" type="slidenum">
               <a:rPr lang="zh-CN" altLang="en-US" smtClean="0"/>
               <a:t>‹#›</a:t>
             </a:fld>
@@ -1461,7 +1461,7 @@
     </p:spTree>
     <p:extLst>
       <p:ext uri="{BB962C8B-B14F-4D97-AF65-F5344CB8AC3E}">
-        <p14:creationId xmlns:p14="http://schemas.microsoft.com/office/powerpoint/2010/main" val="454831389"/>
+        <p14:creationId xmlns:p14="http://schemas.microsoft.com/office/powerpoint/2010/main" val="106239795"/>
       </p:ext>
     </p:extLst>
   </p:cSld>
@@ -1493,7 +1493,7 @@
           <p:cNvPr id="2" name="标题 1">
             <a:extLst>
               <a:ext uri="{FF2B5EF4-FFF2-40B4-BE49-F238E27FC236}">
-                <a16:creationId xmlns:a16="http://schemas.microsoft.com/office/drawing/2014/main" id="{9E07DE19-8161-5012-0792-00B96F9B43D5}"/>
+                <a16:creationId xmlns:a16="http://schemas.microsoft.com/office/drawing/2014/main" id="{291D605A-E115-A542-5B01-E3A1407D54A5}"/>
               </a:ext>
             </a:extLst>
           </p:cNvPr>
@@ -1526,7 +1526,7 @@
           <p:cNvPr id="3" name="文本占位符 2">
             <a:extLst>
               <a:ext uri="{FF2B5EF4-FFF2-40B4-BE49-F238E27FC236}">
-                <a16:creationId xmlns:a16="http://schemas.microsoft.com/office/drawing/2014/main" id="{0C6803A5-57F9-6773-D744-E7E061FCF6F5}"/>
+                <a16:creationId xmlns:a16="http://schemas.microsoft.com/office/drawing/2014/main" id="{743DCD2E-DB31-8F57-8790-03D44D2B8E52}"/>
               </a:ext>
             </a:extLst>
           </p:cNvPr>
@@ -1597,7 +1597,7 @@
           <p:cNvPr id="4" name="内容占位符 3">
             <a:extLst>
               <a:ext uri="{FF2B5EF4-FFF2-40B4-BE49-F238E27FC236}">
-                <a16:creationId xmlns:a16="http://schemas.microsoft.com/office/drawing/2014/main" id="{E6E489E4-4754-6356-3E4B-6AC89B54BB45}"/>
+                <a16:creationId xmlns:a16="http://schemas.microsoft.com/office/drawing/2014/main" id="{59291167-9D6D-59E7-868A-0942F7FAC422}"/>
               </a:ext>
             </a:extLst>
           </p:cNvPr>
@@ -1659,7 +1659,7 @@
           <p:cNvPr id="5" name="文本占位符 4">
             <a:extLst>
               <a:ext uri="{FF2B5EF4-FFF2-40B4-BE49-F238E27FC236}">
-                <a16:creationId xmlns:a16="http://schemas.microsoft.com/office/drawing/2014/main" id="{EF34C9D5-FB05-AD2E-186B-168214129E08}"/>
+                <a16:creationId xmlns:a16="http://schemas.microsoft.com/office/drawing/2014/main" id="{B6812FB6-5C40-F4FD-E0A7-2F988DAB0886}"/>
               </a:ext>
             </a:extLst>
           </p:cNvPr>
@@ -1730,7 +1730,7 @@
           <p:cNvPr id="6" name="内容占位符 5">
             <a:extLst>
               <a:ext uri="{FF2B5EF4-FFF2-40B4-BE49-F238E27FC236}">
-                <a16:creationId xmlns:a16="http://schemas.microsoft.com/office/drawing/2014/main" id="{2E976221-5E6A-D31A-0BF2-4F2C801A8530}"/>
+                <a16:creationId xmlns:a16="http://schemas.microsoft.com/office/drawing/2014/main" id="{F70FF6B4-2DB3-D707-1741-E43F89D6BE8C}"/>
               </a:ext>
             </a:extLst>
           </p:cNvPr>
@@ -1792,7 +1792,7 @@
           <p:cNvPr id="7" name="日期占位符 6">
             <a:extLst>
               <a:ext uri="{FF2B5EF4-FFF2-40B4-BE49-F238E27FC236}">
-                <a16:creationId xmlns:a16="http://schemas.microsoft.com/office/drawing/2014/main" id="{23A7612B-3A82-8196-5AD8-0F8A802DF883}"/>
+                <a16:creationId xmlns:a16="http://schemas.microsoft.com/office/drawing/2014/main" id="{38EBD976-6525-1478-902E-3AB43BD7F1E0}"/>
               </a:ext>
             </a:extLst>
           </p:cNvPr>
@@ -1808,7 +1808,7 @@
           <a:bodyPr/>
           <a:lstStyle/>
           <a:p>
-            <a:fld id="{8D593CA0-0721-4F80-B623-740D30B37D0C}" type="datetimeFigureOut">
+            <a:fld id="{89FB9522-F866-4983-8D69-321E071EAAE7}" type="datetimeFigureOut">
               <a:rPr lang="zh-CN" altLang="en-US" smtClean="0"/>
               <a:t>2024/3/10</a:t>
             </a:fld>
@@ -1821,7 +1821,7 @@
           <p:cNvPr id="8" name="页脚占位符 7">
             <a:extLst>
               <a:ext uri="{FF2B5EF4-FFF2-40B4-BE49-F238E27FC236}">
-                <a16:creationId xmlns:a16="http://schemas.microsoft.com/office/drawing/2014/main" id="{E37655BF-9B15-FBB2-91FC-2F6CCA78BF56}"/>
+                <a16:creationId xmlns:a16="http://schemas.microsoft.com/office/drawing/2014/main" id="{61BF21B9-0AA5-E61E-2070-DB70B240D8CF}"/>
               </a:ext>
             </a:extLst>
           </p:cNvPr>
@@ -1846,7 +1846,7 @@
           <p:cNvPr id="9" name="灯片编号占位符 8">
             <a:extLst>
               <a:ext uri="{FF2B5EF4-FFF2-40B4-BE49-F238E27FC236}">
-                <a16:creationId xmlns:a16="http://schemas.microsoft.com/office/drawing/2014/main" id="{8F344C1E-9A08-11E9-8F4A-C08C4F2D51D0}"/>
+                <a16:creationId xmlns:a16="http://schemas.microsoft.com/office/drawing/2014/main" id="{10A11B09-AE7A-2CB2-9942-8A548BD78C2D}"/>
               </a:ext>
             </a:extLst>
           </p:cNvPr>
@@ -1862,7 +1862,7 @@
           <a:bodyPr/>
           <a:lstStyle/>
           <a:p>
-            <a:fld id="{C10AB18A-D65F-402A-9F3A-3545407972E1}" type="slidenum">
+            <a:fld id="{F2B8CAB2-2AD6-41AE-9DF9-3513C9C631B4}" type="slidenum">
               <a:rPr lang="zh-CN" altLang="en-US" smtClean="0"/>
               <a:t>‹#›</a:t>
             </a:fld>
@@ -1873,7 +1873,7 @@
     </p:spTree>
     <p:extLst>
       <p:ext uri="{BB962C8B-B14F-4D97-AF65-F5344CB8AC3E}">
-        <p14:creationId xmlns:p14="http://schemas.microsoft.com/office/powerpoint/2010/main" val="1988146267"/>
+        <p14:creationId xmlns:p14="http://schemas.microsoft.com/office/powerpoint/2010/main" val="1355646806"/>
       </p:ext>
     </p:extLst>
   </p:cSld>
@@ -1905,7 +1905,7 @@
           <p:cNvPr id="2" name="标题 1">
             <a:extLst>
               <a:ext uri="{FF2B5EF4-FFF2-40B4-BE49-F238E27FC236}">
-                <a16:creationId xmlns:a16="http://schemas.microsoft.com/office/drawing/2014/main" id="{D258DB2C-F065-A9A4-7EEE-7237189BBA4E}"/>
+                <a16:creationId xmlns:a16="http://schemas.microsoft.com/office/drawing/2014/main" id="{15EC0C81-FF79-6CB2-D144-85C7F35ED90E}"/>
               </a:ext>
             </a:extLst>
           </p:cNvPr>
@@ -1933,7 +1933,7 @@
           <p:cNvPr id="3" name="日期占位符 2">
             <a:extLst>
               <a:ext uri="{FF2B5EF4-FFF2-40B4-BE49-F238E27FC236}">
-                <a16:creationId xmlns:a16="http://schemas.microsoft.com/office/drawing/2014/main" id="{3DEBD131-5329-E0E9-2BF0-3339CCCCDCBB}"/>
+                <a16:creationId xmlns:a16="http://schemas.microsoft.com/office/drawing/2014/main" id="{F1D11931-31FE-3F67-6419-798EAEDD1EFC}"/>
               </a:ext>
             </a:extLst>
           </p:cNvPr>
@@ -1949,7 +1949,7 @@
           <a:bodyPr/>
           <a:lstStyle/>
           <a:p>
-            <a:fld id="{8D593CA0-0721-4F80-B623-740D30B37D0C}" type="datetimeFigureOut">
+            <a:fld id="{89FB9522-F866-4983-8D69-321E071EAAE7}" type="datetimeFigureOut">
               <a:rPr lang="zh-CN" altLang="en-US" smtClean="0"/>
               <a:t>2024/3/10</a:t>
             </a:fld>
@@ -1962,7 +1962,7 @@
           <p:cNvPr id="4" name="页脚占位符 3">
             <a:extLst>
               <a:ext uri="{FF2B5EF4-FFF2-40B4-BE49-F238E27FC236}">
-                <a16:creationId xmlns:a16="http://schemas.microsoft.com/office/drawing/2014/main" id="{2EE28A36-6F0E-1F26-6E3A-FB052758900B}"/>
+                <a16:creationId xmlns:a16="http://schemas.microsoft.com/office/drawing/2014/main" id="{A4069891-E2DB-E8D6-2AAB-CB4FCD3C95FE}"/>
               </a:ext>
             </a:extLst>
           </p:cNvPr>
@@ -1987,7 +1987,7 @@
           <p:cNvPr id="5" name="灯片编号占位符 4">
             <a:extLst>
               <a:ext uri="{FF2B5EF4-FFF2-40B4-BE49-F238E27FC236}">
-                <a16:creationId xmlns:a16="http://schemas.microsoft.com/office/drawing/2014/main" id="{FB9EE8F1-E451-6C1B-B627-C7D9606D093A}"/>
+                <a16:creationId xmlns:a16="http://schemas.microsoft.com/office/drawing/2014/main" id="{B4076408-DD8E-5F3A-BA73-1A6E306B32E1}"/>
               </a:ext>
             </a:extLst>
           </p:cNvPr>
@@ -2003,7 +2003,7 @@
           <a:bodyPr/>
           <a:lstStyle/>
           <a:p>
-            <a:fld id="{C10AB18A-D65F-402A-9F3A-3545407972E1}" type="slidenum">
+            <a:fld id="{F2B8CAB2-2AD6-41AE-9DF9-3513C9C631B4}" type="slidenum">
               <a:rPr lang="zh-CN" altLang="en-US" smtClean="0"/>
               <a:t>‹#›</a:t>
             </a:fld>
@@ -2014,7 +2014,7 @@
     </p:spTree>
     <p:extLst>
       <p:ext uri="{BB962C8B-B14F-4D97-AF65-F5344CB8AC3E}">
-        <p14:creationId xmlns:p14="http://schemas.microsoft.com/office/powerpoint/2010/main" val="1335502572"/>
+        <p14:creationId xmlns:p14="http://schemas.microsoft.com/office/powerpoint/2010/main" val="1676416389"/>
       </p:ext>
     </p:extLst>
   </p:cSld>
@@ -2046,7 +2046,7 @@
           <p:cNvPr id="2" name="日期占位符 1">
             <a:extLst>
               <a:ext uri="{FF2B5EF4-FFF2-40B4-BE49-F238E27FC236}">
-                <a16:creationId xmlns:a16="http://schemas.microsoft.com/office/drawing/2014/main" id="{4D5445E9-2A3F-F83D-F86F-ED911C889D75}"/>
+                <a16:creationId xmlns:a16="http://schemas.microsoft.com/office/drawing/2014/main" id="{7BD983C8-2BC4-DBED-ADE7-039532A387A8}"/>
               </a:ext>
             </a:extLst>
           </p:cNvPr>
@@ -2062,7 +2062,7 @@
           <a:bodyPr/>
           <a:lstStyle/>
           <a:p>
-            <a:fld id="{8D593CA0-0721-4F80-B623-740D30B37D0C}" type="datetimeFigureOut">
+            <a:fld id="{89FB9522-F866-4983-8D69-321E071EAAE7}" type="datetimeFigureOut">
               <a:rPr lang="zh-CN" altLang="en-US" smtClean="0"/>
               <a:t>2024/3/10</a:t>
             </a:fld>
@@ -2075,7 +2075,7 @@
           <p:cNvPr id="3" name="页脚占位符 2">
             <a:extLst>
               <a:ext uri="{FF2B5EF4-FFF2-40B4-BE49-F238E27FC236}">
-                <a16:creationId xmlns:a16="http://schemas.microsoft.com/office/drawing/2014/main" id="{887B3988-A623-74F0-C736-7AA9AB82DC67}"/>
+                <a16:creationId xmlns:a16="http://schemas.microsoft.com/office/drawing/2014/main" id="{7DE24E05-DC1A-72C7-082F-C0E8B1B86CFE}"/>
               </a:ext>
             </a:extLst>
           </p:cNvPr>
@@ -2100,7 +2100,7 @@
           <p:cNvPr id="4" name="灯片编号占位符 3">
             <a:extLst>
               <a:ext uri="{FF2B5EF4-FFF2-40B4-BE49-F238E27FC236}">
-                <a16:creationId xmlns:a16="http://schemas.microsoft.com/office/drawing/2014/main" id="{8F662A27-5EFA-F36B-8462-B683E9BE8DE1}"/>
+                <a16:creationId xmlns:a16="http://schemas.microsoft.com/office/drawing/2014/main" id="{30385620-6662-7461-693B-E514B53B5B7D}"/>
               </a:ext>
             </a:extLst>
           </p:cNvPr>
@@ -2116,7 +2116,7 @@
           <a:bodyPr/>
           <a:lstStyle/>
           <a:p>
-            <a:fld id="{C10AB18A-D65F-402A-9F3A-3545407972E1}" type="slidenum">
+            <a:fld id="{F2B8CAB2-2AD6-41AE-9DF9-3513C9C631B4}" type="slidenum">
               <a:rPr lang="zh-CN" altLang="en-US" smtClean="0"/>
               <a:t>‹#›</a:t>
             </a:fld>
@@ -2127,7 +2127,7 @@
     </p:spTree>
     <p:extLst>
       <p:ext uri="{BB962C8B-B14F-4D97-AF65-F5344CB8AC3E}">
-        <p14:creationId xmlns:p14="http://schemas.microsoft.com/office/powerpoint/2010/main" val="4041827097"/>
+        <p14:creationId xmlns:p14="http://schemas.microsoft.com/office/powerpoint/2010/main" val="2140102870"/>
       </p:ext>
     </p:extLst>
   </p:cSld>
@@ -2159,7 +2159,7 @@
           <p:cNvPr id="2" name="标题 1">
             <a:extLst>
               <a:ext uri="{FF2B5EF4-FFF2-40B4-BE49-F238E27FC236}">
-                <a16:creationId xmlns:a16="http://schemas.microsoft.com/office/drawing/2014/main" id="{3AB50854-A806-1ABA-A266-42B40B300C3A}"/>
+                <a16:creationId xmlns:a16="http://schemas.microsoft.com/office/drawing/2014/main" id="{141F56DA-1EE5-BA5A-2E86-B341BAC1E923}"/>
               </a:ext>
             </a:extLst>
           </p:cNvPr>
@@ -2196,7 +2196,7 @@
           <p:cNvPr id="3" name="内容占位符 2">
             <a:extLst>
               <a:ext uri="{FF2B5EF4-FFF2-40B4-BE49-F238E27FC236}">
-                <a16:creationId xmlns:a16="http://schemas.microsoft.com/office/drawing/2014/main" id="{1B41B128-F2AD-7814-5F29-1DAF3BD26897}"/>
+                <a16:creationId xmlns:a16="http://schemas.microsoft.com/office/drawing/2014/main" id="{ADF7982E-9DF8-C028-5CE4-79C5D76A8796}"/>
               </a:ext>
             </a:extLst>
           </p:cNvPr>
@@ -2286,7 +2286,7 @@
           <p:cNvPr id="4" name="文本占位符 3">
             <a:extLst>
               <a:ext uri="{FF2B5EF4-FFF2-40B4-BE49-F238E27FC236}">
-                <a16:creationId xmlns:a16="http://schemas.microsoft.com/office/drawing/2014/main" id="{6E0738B7-D26F-1EC0-3869-355AF4B3B508}"/>
+                <a16:creationId xmlns:a16="http://schemas.microsoft.com/office/drawing/2014/main" id="{D6762036-E961-17F1-B1F4-83894E20CFD5}"/>
               </a:ext>
             </a:extLst>
           </p:cNvPr>
@@ -2357,7 +2357,7 @@
           <p:cNvPr id="5" name="日期占位符 4">
             <a:extLst>
               <a:ext uri="{FF2B5EF4-FFF2-40B4-BE49-F238E27FC236}">
-                <a16:creationId xmlns:a16="http://schemas.microsoft.com/office/drawing/2014/main" id="{5C40DA6A-735C-02E0-A3E3-F5AE9F1B8EFD}"/>
+                <a16:creationId xmlns:a16="http://schemas.microsoft.com/office/drawing/2014/main" id="{3B27C794-52C6-D088-65F0-07F8C9A2FEEE}"/>
               </a:ext>
             </a:extLst>
           </p:cNvPr>
@@ -2373,7 +2373,7 @@
           <a:bodyPr/>
           <a:lstStyle/>
           <a:p>
-            <a:fld id="{8D593CA0-0721-4F80-B623-740D30B37D0C}" type="datetimeFigureOut">
+            <a:fld id="{89FB9522-F866-4983-8D69-321E071EAAE7}" type="datetimeFigureOut">
               <a:rPr lang="zh-CN" altLang="en-US" smtClean="0"/>
               <a:t>2024/3/10</a:t>
             </a:fld>
@@ -2386,7 +2386,7 @@
           <p:cNvPr id="6" name="页脚占位符 5">
             <a:extLst>
               <a:ext uri="{FF2B5EF4-FFF2-40B4-BE49-F238E27FC236}">
-                <a16:creationId xmlns:a16="http://schemas.microsoft.com/office/drawing/2014/main" id="{FCD47B22-E2B7-1759-753C-0C2E54634FDD}"/>
+                <a16:creationId xmlns:a16="http://schemas.microsoft.com/office/drawing/2014/main" id="{9FCFC9D7-31C1-022A-2EF3-08915E06D34D}"/>
               </a:ext>
             </a:extLst>
           </p:cNvPr>
@@ -2411,7 +2411,7 @@
           <p:cNvPr id="7" name="灯片编号占位符 6">
             <a:extLst>
               <a:ext uri="{FF2B5EF4-FFF2-40B4-BE49-F238E27FC236}">
-                <a16:creationId xmlns:a16="http://schemas.microsoft.com/office/drawing/2014/main" id="{9EE43D0C-E0B7-FB78-6FF2-7110FC3F343C}"/>
+                <a16:creationId xmlns:a16="http://schemas.microsoft.com/office/drawing/2014/main" id="{9219DA2C-0D23-A636-9239-59A315E29076}"/>
               </a:ext>
             </a:extLst>
           </p:cNvPr>
@@ -2427,7 +2427,7 @@
           <a:bodyPr/>
           <a:lstStyle/>
           <a:p>
-            <a:fld id="{C10AB18A-D65F-402A-9F3A-3545407972E1}" type="slidenum">
+            <a:fld id="{F2B8CAB2-2AD6-41AE-9DF9-3513C9C631B4}" type="slidenum">
               <a:rPr lang="zh-CN" altLang="en-US" smtClean="0"/>
               <a:t>‹#›</a:t>
             </a:fld>
@@ -2438,7 +2438,7 @@
     </p:spTree>
     <p:extLst>
       <p:ext uri="{BB962C8B-B14F-4D97-AF65-F5344CB8AC3E}">
-        <p14:creationId xmlns:p14="http://schemas.microsoft.com/office/powerpoint/2010/main" val="352684901"/>
+        <p14:creationId xmlns:p14="http://schemas.microsoft.com/office/powerpoint/2010/main" val="361024067"/>
       </p:ext>
     </p:extLst>
   </p:cSld>
@@ -2470,7 +2470,7 @@
           <p:cNvPr id="2" name="标题 1">
             <a:extLst>
               <a:ext uri="{FF2B5EF4-FFF2-40B4-BE49-F238E27FC236}">
-                <a16:creationId xmlns:a16="http://schemas.microsoft.com/office/drawing/2014/main" id="{048BDBDB-3A9D-FF09-4829-8C7DABFBA5FB}"/>
+                <a16:creationId xmlns:a16="http://schemas.microsoft.com/office/drawing/2014/main" id="{58D38F00-E831-AD00-F65E-909764EF37E6}"/>
               </a:ext>
             </a:extLst>
           </p:cNvPr>
@@ -2507,7 +2507,7 @@
           <p:cNvPr id="3" name="图片占位符 2">
             <a:extLst>
               <a:ext uri="{FF2B5EF4-FFF2-40B4-BE49-F238E27FC236}">
-                <a16:creationId xmlns:a16="http://schemas.microsoft.com/office/drawing/2014/main" id="{AC5D55B2-1B3E-F469-4A0E-54F7C2FBD165}"/>
+                <a16:creationId xmlns:a16="http://schemas.microsoft.com/office/drawing/2014/main" id="{125F0C19-9235-44E4-265C-BDE8C807FAB1}"/>
               </a:ext>
             </a:extLst>
           </p:cNvPr>
@@ -2574,7 +2574,7 @@
           <p:cNvPr id="4" name="文本占位符 3">
             <a:extLst>
               <a:ext uri="{FF2B5EF4-FFF2-40B4-BE49-F238E27FC236}">
-                <a16:creationId xmlns:a16="http://schemas.microsoft.com/office/drawing/2014/main" id="{2A38BBD4-8747-484E-43D4-C224C2966BAE}"/>
+                <a16:creationId xmlns:a16="http://schemas.microsoft.com/office/drawing/2014/main" id="{53577074-A0AE-B74D-B2A7-96EDB91EB7E5}"/>
               </a:ext>
             </a:extLst>
           </p:cNvPr>
@@ -2645,7 +2645,7 @@
           <p:cNvPr id="5" name="日期占位符 4">
             <a:extLst>
               <a:ext uri="{FF2B5EF4-FFF2-40B4-BE49-F238E27FC236}">
-                <a16:creationId xmlns:a16="http://schemas.microsoft.com/office/drawing/2014/main" id="{DF021F21-0B14-EBC3-77F6-7C5CA9FF7CDB}"/>
+                <a16:creationId xmlns:a16="http://schemas.microsoft.com/office/drawing/2014/main" id="{2858EC23-DB12-F020-ADAB-782E1AAA0B19}"/>
               </a:ext>
             </a:extLst>
           </p:cNvPr>
@@ -2661,7 +2661,7 @@
           <a:bodyPr/>
           <a:lstStyle/>
           <a:p>
-            <a:fld id="{8D593CA0-0721-4F80-B623-740D30B37D0C}" type="datetimeFigureOut">
+            <a:fld id="{89FB9522-F866-4983-8D69-321E071EAAE7}" type="datetimeFigureOut">
               <a:rPr lang="zh-CN" altLang="en-US" smtClean="0"/>
               <a:t>2024/3/10</a:t>
             </a:fld>
@@ -2674,7 +2674,7 @@
           <p:cNvPr id="6" name="页脚占位符 5">
             <a:extLst>
               <a:ext uri="{FF2B5EF4-FFF2-40B4-BE49-F238E27FC236}">
-                <a16:creationId xmlns:a16="http://schemas.microsoft.com/office/drawing/2014/main" id="{4D6BEAF3-6643-853D-55D0-5CD56EF1A846}"/>
+                <a16:creationId xmlns:a16="http://schemas.microsoft.com/office/drawing/2014/main" id="{5B6E0DF1-5F01-7DFA-A6B3-F3B05DC0E757}"/>
               </a:ext>
             </a:extLst>
           </p:cNvPr>
@@ -2699,7 +2699,7 @@
           <p:cNvPr id="7" name="灯片编号占位符 6">
             <a:extLst>
               <a:ext uri="{FF2B5EF4-FFF2-40B4-BE49-F238E27FC236}">
-                <a16:creationId xmlns:a16="http://schemas.microsoft.com/office/drawing/2014/main" id="{DAEA7DE4-C58D-9BCB-3DD5-5536F58C7ABA}"/>
+                <a16:creationId xmlns:a16="http://schemas.microsoft.com/office/drawing/2014/main" id="{1EC1FB20-4CA2-1186-ED69-FD2AC4A3CA7D}"/>
               </a:ext>
             </a:extLst>
           </p:cNvPr>
@@ -2715,7 +2715,7 @@
           <a:bodyPr/>
           <a:lstStyle/>
           <a:p>
-            <a:fld id="{C10AB18A-D65F-402A-9F3A-3545407972E1}" type="slidenum">
+            <a:fld id="{F2B8CAB2-2AD6-41AE-9DF9-3513C9C631B4}" type="slidenum">
               <a:rPr lang="zh-CN" altLang="en-US" smtClean="0"/>
               <a:t>‹#›</a:t>
             </a:fld>
@@ -2726,7 +2726,7 @@
     </p:spTree>
     <p:extLst>
       <p:ext uri="{BB962C8B-B14F-4D97-AF65-F5344CB8AC3E}">
-        <p14:creationId xmlns:p14="http://schemas.microsoft.com/office/powerpoint/2010/main" val="2103189432"/>
+        <p14:creationId xmlns:p14="http://schemas.microsoft.com/office/powerpoint/2010/main" val="3537112022"/>
       </p:ext>
     </p:extLst>
   </p:cSld>
@@ -2763,7 +2763,7 @@
           <p:cNvPr id="2" name="标题占位符 1">
             <a:extLst>
               <a:ext uri="{FF2B5EF4-FFF2-40B4-BE49-F238E27FC236}">
-                <a16:creationId xmlns:a16="http://schemas.microsoft.com/office/drawing/2014/main" id="{1BFF0156-383E-AE28-8581-762EB76BD1AC}"/>
+                <a16:creationId xmlns:a16="http://schemas.microsoft.com/office/drawing/2014/main" id="{180523D3-2300-19B5-26F9-228F60BD44D8}"/>
               </a:ext>
             </a:extLst>
           </p:cNvPr>
@@ -2801,7 +2801,7 @@
           <p:cNvPr id="3" name="文本占位符 2">
             <a:extLst>
               <a:ext uri="{FF2B5EF4-FFF2-40B4-BE49-F238E27FC236}">
-                <a16:creationId xmlns:a16="http://schemas.microsoft.com/office/drawing/2014/main" id="{0B6133ED-482A-5A98-79A4-E5F6C7BC836B}"/>
+                <a16:creationId xmlns:a16="http://schemas.microsoft.com/office/drawing/2014/main" id="{B009A181-FAD5-C14C-E8E2-326226991DAC}"/>
               </a:ext>
             </a:extLst>
           </p:cNvPr>
@@ -2868,7 +2868,7 @@
           <p:cNvPr id="4" name="日期占位符 3">
             <a:extLst>
               <a:ext uri="{FF2B5EF4-FFF2-40B4-BE49-F238E27FC236}">
-                <a16:creationId xmlns:a16="http://schemas.microsoft.com/office/drawing/2014/main" id="{C876451B-68C7-F4A9-FE4E-6CDC77094A8F}"/>
+                <a16:creationId xmlns:a16="http://schemas.microsoft.com/office/drawing/2014/main" id="{DD842675-8D71-7968-B005-E76CAE5E83C3}"/>
               </a:ext>
             </a:extLst>
           </p:cNvPr>
@@ -2902,7 +2902,7 @@
             </a:lvl1pPr>
           </a:lstStyle>
           <a:p>
-            <a:fld id="{8D593CA0-0721-4F80-B623-740D30B37D0C}" type="datetimeFigureOut">
+            <a:fld id="{89FB9522-F866-4983-8D69-321E071EAAE7}" type="datetimeFigureOut">
               <a:rPr lang="zh-CN" altLang="en-US" smtClean="0"/>
               <a:t>2024/3/10</a:t>
             </a:fld>
@@ -2915,7 +2915,7 @@
           <p:cNvPr id="5" name="页脚占位符 4">
             <a:extLst>
               <a:ext uri="{FF2B5EF4-FFF2-40B4-BE49-F238E27FC236}">
-                <a16:creationId xmlns:a16="http://schemas.microsoft.com/office/drawing/2014/main" id="{40C280A2-C3EF-6D52-AD2B-C00BE15A876E}"/>
+                <a16:creationId xmlns:a16="http://schemas.microsoft.com/office/drawing/2014/main" id="{2F05456A-3156-2F0D-8649-339701304271}"/>
               </a:ext>
             </a:extLst>
           </p:cNvPr>
@@ -2958,7 +2958,7 @@
           <p:cNvPr id="6" name="灯片编号占位符 5">
             <a:extLst>
               <a:ext uri="{FF2B5EF4-FFF2-40B4-BE49-F238E27FC236}">
-                <a16:creationId xmlns:a16="http://schemas.microsoft.com/office/drawing/2014/main" id="{7ACCA927-1BB4-D654-9C12-F22EAA474749}"/>
+                <a16:creationId xmlns:a16="http://schemas.microsoft.com/office/drawing/2014/main" id="{256136B9-FEE1-83CA-15C9-250AF4CEBA9D}"/>
               </a:ext>
             </a:extLst>
           </p:cNvPr>
@@ -2992,7 +2992,7 @@
             </a:lvl1pPr>
           </a:lstStyle>
           <a:p>
-            <a:fld id="{C10AB18A-D65F-402A-9F3A-3545407972E1}" type="slidenum">
+            <a:fld id="{F2B8CAB2-2AD6-41AE-9DF9-3513C9C631B4}" type="slidenum">
               <a:rPr lang="zh-CN" altLang="en-US" smtClean="0"/>
               <a:t>‹#›</a:t>
             </a:fld>
@@ -3003,7 +3003,7 @@
     </p:spTree>
     <p:extLst>
       <p:ext uri="{BB962C8B-B14F-4D97-AF65-F5344CB8AC3E}">
-        <p14:creationId xmlns:p14="http://schemas.microsoft.com/office/powerpoint/2010/main" val="1804806120"/>
+        <p14:creationId xmlns:p14="http://schemas.microsoft.com/office/powerpoint/2010/main" val="1747076988"/>
       </p:ext>
     </p:extLst>
   </p:cSld>
@@ -3323,7 +3323,7 @@
       </p:grpSpPr>
       <p:pic>
         <p:nvPicPr>
-          <p:cNvPr id="1635330" name="Picture 2" descr="1596"/>
+          <p:cNvPr id="1636354" name="Picture 2" descr="1597"/>
           <p:cNvPicPr>
             <a:picLocks noChangeAspect="1" noChangeArrowheads="1"/>
           </p:cNvPicPr>
@@ -3344,8 +3344,8 @@
         </p:blipFill>
         <p:spPr bwMode="auto">
           <a:xfrm>
-            <a:off x="1543050" y="1"/>
-            <a:ext cx="9124950" cy="6843713"/>
+            <a:off x="1543050" y="14288"/>
+            <a:ext cx="9124950" cy="6843712"/>
           </a:xfrm>
           <a:prstGeom prst="rect">
             <a:avLst/>
